--- a/docs/diagrams/QuizQuitCommandSequenceDiagram.pptx
+++ b/docs/diagrams/QuizQuitCommandSequenceDiagram.pptx
@@ -208,7 +208,7 @@
           <a:p>
             <a:fld id="{F5CC4B3F-88C1-4FFA-B1B6-F41C21DC6924}" type="datetimeFigureOut">
               <a:rPr lang="en-US" smtClean="0"/>
-              <a:t>4/1/2019</a:t>
+              <a:t>4/15/2019</a:t>
             </a:fld>
             <a:endParaRPr lang="en-US"/>
           </a:p>
@@ -745,7 +745,7 @@
           <a:p>
             <a:fld id="{78C97017-6FC3-485B-9764-EAC9E56C1D49}" type="datetimeFigureOut">
               <a:rPr lang="en-US" smtClean="0"/>
-              <a:t>4/1/2019</a:t>
+              <a:t>4/15/2019</a:t>
             </a:fld>
             <a:endParaRPr lang="en-US"/>
           </a:p>
@@ -913,7 +913,7 @@
           <a:p>
             <a:fld id="{78C97017-6FC3-485B-9764-EAC9E56C1D49}" type="datetimeFigureOut">
               <a:rPr lang="en-US" smtClean="0"/>
-              <a:t>4/1/2019</a:t>
+              <a:t>4/15/2019</a:t>
             </a:fld>
             <a:endParaRPr lang="en-US"/>
           </a:p>
@@ -1091,7 +1091,7 @@
           <a:p>
             <a:fld id="{78C97017-6FC3-485B-9764-EAC9E56C1D49}" type="datetimeFigureOut">
               <a:rPr lang="en-US" smtClean="0"/>
-              <a:t>4/1/2019</a:t>
+              <a:t>4/15/2019</a:t>
             </a:fld>
             <a:endParaRPr lang="en-US"/>
           </a:p>
@@ -1259,7 +1259,7 @@
           <a:p>
             <a:fld id="{78C97017-6FC3-485B-9764-EAC9E56C1D49}" type="datetimeFigureOut">
               <a:rPr lang="en-US" smtClean="0"/>
-              <a:t>4/1/2019</a:t>
+              <a:t>4/15/2019</a:t>
             </a:fld>
             <a:endParaRPr lang="en-US"/>
           </a:p>
@@ -1504,7 +1504,7 @@
           <a:p>
             <a:fld id="{78C97017-6FC3-485B-9764-EAC9E56C1D49}" type="datetimeFigureOut">
               <a:rPr lang="en-US" smtClean="0"/>
-              <a:t>4/1/2019</a:t>
+              <a:t>4/15/2019</a:t>
             </a:fld>
             <a:endParaRPr lang="en-US"/>
           </a:p>
@@ -1789,7 +1789,7 @@
           <a:p>
             <a:fld id="{78C97017-6FC3-485B-9764-EAC9E56C1D49}" type="datetimeFigureOut">
               <a:rPr lang="en-US" smtClean="0"/>
-              <a:t>4/1/2019</a:t>
+              <a:t>4/15/2019</a:t>
             </a:fld>
             <a:endParaRPr lang="en-US"/>
           </a:p>
@@ -2208,7 +2208,7 @@
           <a:p>
             <a:fld id="{78C97017-6FC3-485B-9764-EAC9E56C1D49}" type="datetimeFigureOut">
               <a:rPr lang="en-US" smtClean="0"/>
-              <a:t>4/1/2019</a:t>
+              <a:t>4/15/2019</a:t>
             </a:fld>
             <a:endParaRPr lang="en-US"/>
           </a:p>
@@ -2325,7 +2325,7 @@
           <a:p>
             <a:fld id="{78C97017-6FC3-485B-9764-EAC9E56C1D49}" type="datetimeFigureOut">
               <a:rPr lang="en-US" smtClean="0"/>
-              <a:t>4/1/2019</a:t>
+              <a:t>4/15/2019</a:t>
             </a:fld>
             <a:endParaRPr lang="en-US"/>
           </a:p>
@@ -2420,7 +2420,7 @@
           <a:p>
             <a:fld id="{78C97017-6FC3-485B-9764-EAC9E56C1D49}" type="datetimeFigureOut">
               <a:rPr lang="en-US" smtClean="0"/>
-              <a:t>4/1/2019</a:t>
+              <a:t>4/15/2019</a:t>
             </a:fld>
             <a:endParaRPr lang="en-US"/>
           </a:p>
@@ -2695,7 +2695,7 @@
           <a:p>
             <a:fld id="{78C97017-6FC3-485B-9764-EAC9E56C1D49}" type="datetimeFigureOut">
               <a:rPr lang="en-US" smtClean="0"/>
-              <a:t>4/1/2019</a:t>
+              <a:t>4/15/2019</a:t>
             </a:fld>
             <a:endParaRPr lang="en-US"/>
           </a:p>
@@ -2947,7 +2947,7 @@
           <a:p>
             <a:fld id="{78C97017-6FC3-485B-9764-EAC9E56C1D49}" type="datetimeFigureOut">
               <a:rPr lang="en-US" smtClean="0"/>
-              <a:t>4/1/2019</a:t>
+              <a:t>4/15/2019</a:t>
             </a:fld>
             <a:endParaRPr lang="en-US"/>
           </a:p>
@@ -3158,7 +3158,7 @@
           <a:p>
             <a:fld id="{78C97017-6FC3-485B-9764-EAC9E56C1D49}" type="datetimeFigureOut">
               <a:rPr lang="en-US" smtClean="0"/>
-              <a:t>4/1/2019</a:t>
+              <a:t>4/15/2019</a:t>
             </a:fld>
             <a:endParaRPr lang="en-US"/>
           </a:p>
@@ -5496,7 +5496,7 @@
         </p:nvSpPr>
         <p:spPr>
           <a:xfrm>
-            <a:off x="6568112" y="4051232"/>
+            <a:off x="6548429" y="3155719"/>
             <a:ext cx="1659830" cy="184666"/>
           </a:xfrm>
           <a:prstGeom prst="rect">
@@ -5536,7 +5536,7 @@
                   <a:srgbClr val="597B78"/>
                 </a:solidFill>
               </a:rPr>
-              <a:t>()</a:t>
+              <a:t>(r)</a:t>
             </a:r>
           </a:p>
         </p:txBody>
@@ -5555,7 +5555,7 @@
         </p:nvSpPr>
         <p:spPr>
           <a:xfrm>
-            <a:off x="8125570" y="4279097"/>
+            <a:off x="8105887" y="3383584"/>
             <a:ext cx="168896" cy="324000"/>
           </a:xfrm>
           <a:prstGeom prst="rect">
@@ -5610,7 +5610,7 @@
         </p:nvCxnSpPr>
         <p:spPr>
           <a:xfrm>
-            <a:off x="6512564" y="4279096"/>
+            <a:off x="6492881" y="3383583"/>
             <a:ext cx="1612812" cy="0"/>
           </a:xfrm>
           <a:prstGeom prst="straightConnector1">
@@ -5689,7 +5689,7 @@
         </p:nvCxnSpPr>
         <p:spPr>
           <a:xfrm>
-            <a:off x="6515502" y="4603097"/>
+            <a:off x="6495819" y="3707584"/>
             <a:ext cx="1599844" cy="0"/>
           </a:xfrm>
           <a:prstGeom prst="straightConnector1">
@@ -5719,372 +5719,12 @@
           </a:fontRef>
         </p:style>
       </p:cxnSp>
-      <p:grpSp>
-        <p:nvGrpSpPr>
-          <p:cNvPr id="54" name="Group 53">
+      <p:sp>
+        <p:nvSpPr>
+          <p:cNvPr id="68" name="TextBox 67">
             <a:extLst>
               <a:ext uri="{FF2B5EF4-FFF2-40B4-BE49-F238E27FC236}">
-                <a16:creationId xmlns:a16="http://schemas.microsoft.com/office/drawing/2014/main" id="{AC7EC1E1-0818-499E-BBBF-12D57CB9FBBF}"/>
-              </a:ext>
-            </a:extLst>
-          </p:cNvPr>
-          <p:cNvGrpSpPr/>
-          <p:nvPr/>
-        </p:nvGrpSpPr>
-        <p:grpSpPr>
-          <a:xfrm>
-            <a:off x="6421107" y="3851268"/>
-            <a:ext cx="216000" cy="144466"/>
-            <a:chOff x="3781267" y="1682512"/>
-            <a:chExt cx="216000" cy="144466"/>
-          </a:xfrm>
-        </p:grpSpPr>
-        <p:cxnSp>
-          <p:nvCxnSpPr>
-            <p:cNvPr id="55" name="Straight Connector 54">
-              <a:extLst>
-                <a:ext uri="{FF2B5EF4-FFF2-40B4-BE49-F238E27FC236}">
-                  <a16:creationId xmlns:a16="http://schemas.microsoft.com/office/drawing/2014/main" id="{D76B3868-B51E-4630-B3B5-546DA80E6B68}"/>
-                </a:ext>
-              </a:extLst>
-            </p:cNvPr>
-            <p:cNvCxnSpPr>
-              <a:cxnSpLocks/>
-            </p:cNvCxnSpPr>
-            <p:nvPr/>
-          </p:nvCxnSpPr>
-          <p:spPr>
-            <a:xfrm>
-              <a:off x="3781267" y="1692546"/>
-              <a:ext cx="216000" cy="0"/>
-            </a:xfrm>
-            <a:prstGeom prst="line">
-              <a:avLst/>
-            </a:prstGeom>
-            <a:ln w="19050">
-              <a:solidFill>
-                <a:srgbClr val="0070C0"/>
-              </a:solidFill>
-              <a:prstDash val="sysDash"/>
-            </a:ln>
-          </p:spPr>
-          <p:style>
-            <a:lnRef idx="1">
-              <a:schemeClr val="accent1"/>
-            </a:lnRef>
-            <a:fillRef idx="0">
-              <a:schemeClr val="accent1"/>
-            </a:fillRef>
-            <a:effectRef idx="0">
-              <a:schemeClr val="accent1"/>
-            </a:effectRef>
-            <a:fontRef idx="minor">
-              <a:schemeClr val="tx1"/>
-            </a:fontRef>
-          </p:style>
-        </p:cxnSp>
-        <p:cxnSp>
-          <p:nvCxnSpPr>
-            <p:cNvPr id="56" name="Straight Connector 55">
-              <a:extLst>
-                <a:ext uri="{FF2B5EF4-FFF2-40B4-BE49-F238E27FC236}">
-                  <a16:creationId xmlns:a16="http://schemas.microsoft.com/office/drawing/2014/main" id="{65E86817-F991-4430-BB96-7A4317C855ED}"/>
-                </a:ext>
-              </a:extLst>
-            </p:cNvPr>
-            <p:cNvCxnSpPr>
-              <a:cxnSpLocks/>
-            </p:cNvCxnSpPr>
-            <p:nvPr/>
-          </p:nvCxnSpPr>
-          <p:spPr>
-            <a:xfrm>
-              <a:off x="3997267" y="1682512"/>
-              <a:ext cx="0" cy="114166"/>
-            </a:xfrm>
-            <a:prstGeom prst="line">
-              <a:avLst/>
-            </a:prstGeom>
-            <a:ln w="19050">
-              <a:solidFill>
-                <a:srgbClr val="0070C0"/>
-              </a:solidFill>
-              <a:prstDash val="sysDash"/>
-            </a:ln>
-          </p:spPr>
-          <p:style>
-            <a:lnRef idx="1">
-              <a:schemeClr val="accent1"/>
-            </a:lnRef>
-            <a:fillRef idx="0">
-              <a:schemeClr val="accent1"/>
-            </a:fillRef>
-            <a:effectRef idx="0">
-              <a:schemeClr val="accent1"/>
-            </a:effectRef>
-            <a:fontRef idx="minor">
-              <a:schemeClr val="tx1"/>
-            </a:fontRef>
-          </p:style>
-        </p:cxnSp>
-        <p:cxnSp>
-          <p:nvCxnSpPr>
-            <p:cNvPr id="57" name="Straight Arrow Connector 56">
-              <a:extLst>
-                <a:ext uri="{FF2B5EF4-FFF2-40B4-BE49-F238E27FC236}">
-                  <a16:creationId xmlns:a16="http://schemas.microsoft.com/office/drawing/2014/main" id="{E0BEB40D-A3E3-4D9A-B156-DB6215185DA8}"/>
-                </a:ext>
-              </a:extLst>
-            </p:cNvPr>
-            <p:cNvCxnSpPr>
-              <a:cxnSpLocks/>
-            </p:cNvCxnSpPr>
-            <p:nvPr/>
-          </p:nvCxnSpPr>
-          <p:spPr>
-            <a:xfrm flipH="1">
-              <a:off x="3870479" y="1783244"/>
-              <a:ext cx="122204" cy="43734"/>
-            </a:xfrm>
-            <a:prstGeom prst="straightConnector1">
-              <a:avLst/>
-            </a:prstGeom>
-            <a:ln w="19050">
-              <a:solidFill>
-                <a:srgbClr val="0070C0"/>
-              </a:solidFill>
-              <a:prstDash val="sysDash"/>
-              <a:headEnd w="sm" len="sm"/>
-              <a:tailEnd type="triangle" w="sm" len="sm"/>
-            </a:ln>
-          </p:spPr>
-          <p:style>
-            <a:lnRef idx="1">
-              <a:schemeClr val="accent1"/>
-            </a:lnRef>
-            <a:fillRef idx="0">
-              <a:schemeClr val="accent1"/>
-            </a:fillRef>
-            <a:effectRef idx="0">
-              <a:schemeClr val="accent1"/>
-            </a:effectRef>
-            <a:fontRef idx="minor">
-              <a:schemeClr val="tx1"/>
-            </a:fontRef>
-          </p:style>
-        </p:cxnSp>
-      </p:grpSp>
-      <p:sp>
-        <p:nvSpPr>
-          <p:cNvPr id="58" name="Rectangle 57">
-            <a:extLst>
-              <a:ext uri="{FF2B5EF4-FFF2-40B4-BE49-F238E27FC236}">
-                <a16:creationId xmlns:a16="http://schemas.microsoft.com/office/drawing/2014/main" id="{62D9CB53-927C-4F11-AC4E-1E73ABC1B3CE}"/>
-              </a:ext>
-            </a:extLst>
-          </p:cNvPr>
-          <p:cNvSpPr/>
-          <p:nvPr/>
-        </p:nvSpPr>
-        <p:spPr>
-          <a:xfrm>
-            <a:off x="6435463" y="3123836"/>
-            <a:ext cx="154408" cy="774001"/>
-          </a:xfrm>
-          <a:prstGeom prst="rect">
-            <a:avLst/>
-          </a:prstGeom>
-          <a:solidFill>
-            <a:schemeClr val="bg1"/>
-          </a:solidFill>
-          <a:ln>
-            <a:solidFill>
-              <a:srgbClr val="0070C0"/>
-            </a:solidFill>
-          </a:ln>
-          <a:effectLst/>
-        </p:spPr>
-        <p:style>
-          <a:lnRef idx="1">
-            <a:schemeClr val="accent3"/>
-          </a:lnRef>
-          <a:fillRef idx="2">
-            <a:schemeClr val="accent3"/>
-          </a:fillRef>
-          <a:effectRef idx="1">
-            <a:schemeClr val="accent3"/>
-          </a:effectRef>
-          <a:fontRef idx="minor">
-            <a:schemeClr val="dk1"/>
-          </a:fontRef>
-        </p:style>
-        <p:txBody>
-          <a:bodyPr rtlCol="0" anchor="ctr"/>
-          <a:lstStyle/>
-          <a:p>
-            <a:pPr algn="ctr"/>
-            <a:endParaRPr lang="en-SG" sz="1400" dirty="0"/>
-          </a:p>
-        </p:txBody>
-      </p:sp>
-      <p:grpSp>
-        <p:nvGrpSpPr>
-          <p:cNvPr id="59" name="self invoc">
-            <a:extLst>
-              <a:ext uri="{FF2B5EF4-FFF2-40B4-BE49-F238E27FC236}">
-                <a16:creationId xmlns:a16="http://schemas.microsoft.com/office/drawing/2014/main" id="{75471EDD-3543-4843-A31A-F165A92F5C8B}"/>
-              </a:ext>
-            </a:extLst>
-          </p:cNvPr>
-          <p:cNvGrpSpPr/>
-          <p:nvPr/>
-        </p:nvGrpSpPr>
-        <p:grpSpPr>
-          <a:xfrm>
-            <a:off x="6499289" y="2999683"/>
-            <a:ext cx="183552" cy="123673"/>
-            <a:chOff x="3491819" y="1442349"/>
-            <a:chExt cx="183552" cy="123673"/>
-          </a:xfrm>
-        </p:grpSpPr>
-        <p:cxnSp>
-          <p:nvCxnSpPr>
-            <p:cNvPr id="60" name="Straight Connector 59">
-              <a:extLst>
-                <a:ext uri="{FF2B5EF4-FFF2-40B4-BE49-F238E27FC236}">
-                  <a16:creationId xmlns:a16="http://schemas.microsoft.com/office/drawing/2014/main" id="{58E9DB69-5E5A-47F9-A3A5-AE77F2B6B794}"/>
-                </a:ext>
-              </a:extLst>
-            </p:cNvPr>
-            <p:cNvCxnSpPr>
-              <a:cxnSpLocks/>
-            </p:cNvCxnSpPr>
-            <p:nvPr/>
-          </p:nvCxnSpPr>
-          <p:spPr>
-            <a:xfrm>
-              <a:off x="3491819" y="1453656"/>
-              <a:ext cx="180000" cy="0"/>
-            </a:xfrm>
-            <a:prstGeom prst="line">
-              <a:avLst/>
-            </a:prstGeom>
-            <a:ln w="19050">
-              <a:solidFill>
-                <a:srgbClr val="0070C0"/>
-              </a:solidFill>
-            </a:ln>
-          </p:spPr>
-          <p:style>
-            <a:lnRef idx="1">
-              <a:schemeClr val="accent1"/>
-            </a:lnRef>
-            <a:fillRef idx="0">
-              <a:schemeClr val="accent1"/>
-            </a:fillRef>
-            <a:effectRef idx="0">
-              <a:schemeClr val="accent1"/>
-            </a:effectRef>
-            <a:fontRef idx="minor">
-              <a:schemeClr val="tx1"/>
-            </a:fontRef>
-          </p:style>
-        </p:cxnSp>
-        <p:cxnSp>
-          <p:nvCxnSpPr>
-            <p:cNvPr id="61" name="Straight Connector 60">
-              <a:extLst>
-                <a:ext uri="{FF2B5EF4-FFF2-40B4-BE49-F238E27FC236}">
-                  <a16:creationId xmlns:a16="http://schemas.microsoft.com/office/drawing/2014/main" id="{E72576C2-7A0B-4D36-8826-142EA9E95964}"/>
-                </a:ext>
-              </a:extLst>
-            </p:cNvPr>
-            <p:cNvCxnSpPr>
-              <a:cxnSpLocks/>
-            </p:cNvCxnSpPr>
-            <p:nvPr/>
-          </p:nvCxnSpPr>
-          <p:spPr>
-            <a:xfrm>
-              <a:off x="3671819" y="1442349"/>
-              <a:ext cx="0" cy="82800"/>
-            </a:xfrm>
-            <a:prstGeom prst="line">
-              <a:avLst/>
-            </a:prstGeom>
-            <a:ln w="19050">
-              <a:solidFill>
-                <a:srgbClr val="0070C0"/>
-              </a:solidFill>
-            </a:ln>
-          </p:spPr>
-          <p:style>
-            <a:lnRef idx="1">
-              <a:schemeClr val="accent1"/>
-            </a:lnRef>
-            <a:fillRef idx="0">
-              <a:schemeClr val="accent1"/>
-            </a:fillRef>
-            <a:effectRef idx="0">
-              <a:schemeClr val="accent1"/>
-            </a:effectRef>
-            <a:fontRef idx="minor">
-              <a:schemeClr val="tx1"/>
-            </a:fontRef>
-          </p:style>
-        </p:cxnSp>
-        <p:cxnSp>
-          <p:nvCxnSpPr>
-            <p:cNvPr id="62" name="Straight Arrow Connector 61">
-              <a:extLst>
-                <a:ext uri="{FF2B5EF4-FFF2-40B4-BE49-F238E27FC236}">
-                  <a16:creationId xmlns:a16="http://schemas.microsoft.com/office/drawing/2014/main" id="{22569C59-3683-454A-829B-649B88DADE07}"/>
-                </a:ext>
-              </a:extLst>
-            </p:cNvPr>
-            <p:cNvCxnSpPr>
-              <a:cxnSpLocks/>
-            </p:cNvCxnSpPr>
-            <p:nvPr/>
-          </p:nvCxnSpPr>
-          <p:spPr>
-            <a:xfrm flipH="1">
-              <a:off x="3583576" y="1515622"/>
-              <a:ext cx="91795" cy="50400"/>
-            </a:xfrm>
-            <a:prstGeom prst="straightConnector1">
-              <a:avLst/>
-            </a:prstGeom>
-            <a:ln w="19050">
-              <a:solidFill>
-                <a:srgbClr val="0070C0"/>
-              </a:solidFill>
-              <a:headEnd w="sm" len="sm"/>
-              <a:tailEnd type="triangle" w="sm" len="sm"/>
-            </a:ln>
-          </p:spPr>
-          <p:style>
-            <a:lnRef idx="1">
-              <a:schemeClr val="accent1"/>
-            </a:lnRef>
-            <a:fillRef idx="0">
-              <a:schemeClr val="accent1"/>
-            </a:fillRef>
-            <a:effectRef idx="0">
-              <a:schemeClr val="accent1"/>
-            </a:effectRef>
-            <a:fontRef idx="minor">
-              <a:schemeClr val="tx1"/>
-            </a:fontRef>
-          </p:style>
-        </p:cxnSp>
-      </p:grpSp>
-      <p:sp>
-        <p:nvSpPr>
-          <p:cNvPr id="64" name="TextBox 63">
-            <a:extLst>
-              <a:ext uri="{FF2B5EF4-FFF2-40B4-BE49-F238E27FC236}">
-                <a16:creationId xmlns:a16="http://schemas.microsoft.com/office/drawing/2014/main" id="{F7B92CFD-6FF2-411E-A782-D929B6C5B7E1}"/>
+                <a16:creationId xmlns:a16="http://schemas.microsoft.com/office/drawing/2014/main" id="{996A2BAC-B503-4FC2-810A-426F9345E641}"/>
               </a:ext>
             </a:extLst>
           </p:cNvPr>
@@ -6093,8 +5733,8 @@
         </p:nvSpPr>
         <p:spPr>
           <a:xfrm>
-            <a:off x="6721373" y="2886399"/>
-            <a:ext cx="2404453" cy="184666"/>
+            <a:off x="6911858" y="2633289"/>
+            <a:ext cx="786492" cy="215444"/>
           </a:xfrm>
           <a:prstGeom prst="rect">
             <a:avLst/>
@@ -6118,24 +5758,24 @@
             </a:lvl1pPr>
           </a:lstStyle>
           <a:p>
-            <a:pPr algn="l"/>
-            <a:r>
-              <a:rPr lang="en-SG" sz="1200" dirty="0" err="1"/>
-              <a:t>nonZeroStreakResult</a:t>
-            </a:r>
-            <a:r>
-              <a:rPr lang="en-US" sz="1200" dirty="0"/>
-              <a:t>(r)</a:t>
-            </a:r>
-          </a:p>
-        </p:txBody>
-      </p:sp>
-      <p:sp>
-        <p:nvSpPr>
-          <p:cNvPr id="68" name="TextBox 67">
+            <a:pPr algn="ctr"/>
+            <a:r>
+              <a:rPr lang="en-US" dirty="0">
+                <a:solidFill>
+                  <a:srgbClr val="597B78"/>
+                </a:solidFill>
+              </a:rPr>
+              <a:t>r</a:t>
+            </a:r>
+          </a:p>
+        </p:txBody>
+      </p:sp>
+      <p:sp>
+        <p:nvSpPr>
+          <p:cNvPr id="71" name="TextBox 70">
             <a:extLst>
               <a:ext uri="{FF2B5EF4-FFF2-40B4-BE49-F238E27FC236}">
-                <a16:creationId xmlns:a16="http://schemas.microsoft.com/office/drawing/2014/main" id="{996A2BAC-B503-4FC2-810A-426F9345E641}"/>
+                <a16:creationId xmlns:a16="http://schemas.microsoft.com/office/drawing/2014/main" id="{0C95CFBA-5B83-4480-8EDB-682871ADEC7F}"/>
               </a:ext>
             </a:extLst>
           </p:cNvPr>
@@ -6144,8 +5784,8 @@
         </p:nvSpPr>
         <p:spPr>
           <a:xfrm>
-            <a:off x="6911858" y="2633289"/>
-            <a:ext cx="786492" cy="215444"/>
+            <a:off x="6548429" y="4036123"/>
+            <a:ext cx="1659830" cy="184666"/>
           </a:xfrm>
           <a:prstGeom prst="rect">
             <a:avLst/>
@@ -6169,18 +5809,169 @@
             </a:lvl1pPr>
           </a:lstStyle>
           <a:p>
-            <a:pPr algn="ctr"/>
-            <a:r>
-              <a:rPr lang="en-US" dirty="0">
+            <a:pPr algn="l"/>
+            <a:r>
+              <a:rPr lang="en-US" sz="1200" dirty="0" err="1">
                 <a:solidFill>
                   <a:srgbClr val="597B78"/>
                 </a:solidFill>
               </a:rPr>
-              <a:t>r</a:t>
-            </a:r>
-          </a:p>
-        </p:txBody>
-      </p:sp>
+              <a:t>setResultDisplay</a:t>
+            </a:r>
+            <a:r>
+              <a:rPr lang="en-US" sz="1200" dirty="0">
+                <a:solidFill>
+                  <a:srgbClr val="597B78"/>
+                </a:solidFill>
+              </a:rPr>
+              <a:t>(true)</a:t>
+            </a:r>
+          </a:p>
+        </p:txBody>
+      </p:sp>
+      <p:sp>
+        <p:nvSpPr>
+          <p:cNvPr id="72" name="Rectangle 71">
+            <a:extLst>
+              <a:ext uri="{FF2B5EF4-FFF2-40B4-BE49-F238E27FC236}">
+                <a16:creationId xmlns:a16="http://schemas.microsoft.com/office/drawing/2014/main" id="{67CB3174-F7E3-4634-915E-ECC2ACDE0099}"/>
+              </a:ext>
+            </a:extLst>
+          </p:cNvPr>
+          <p:cNvSpPr/>
+          <p:nvPr/>
+        </p:nvSpPr>
+        <p:spPr>
+          <a:xfrm>
+            <a:off x="8105887" y="4263988"/>
+            <a:ext cx="168896" cy="324000"/>
+          </a:xfrm>
+          <a:prstGeom prst="rect">
+            <a:avLst/>
+          </a:prstGeom>
+          <a:solidFill>
+            <a:srgbClr val="597B78"/>
+          </a:solidFill>
+          <a:ln>
+            <a:solidFill>
+              <a:srgbClr val="597B78"/>
+            </a:solidFill>
+          </a:ln>
+          <a:effectLst/>
+        </p:spPr>
+        <p:style>
+          <a:lnRef idx="1">
+            <a:schemeClr val="accent3"/>
+          </a:lnRef>
+          <a:fillRef idx="2">
+            <a:schemeClr val="accent3"/>
+          </a:fillRef>
+          <a:effectRef idx="1">
+            <a:schemeClr val="accent3"/>
+          </a:effectRef>
+          <a:fontRef idx="minor">
+            <a:schemeClr val="dk1"/>
+          </a:fontRef>
+        </p:style>
+        <p:txBody>
+          <a:bodyPr rtlCol="0" anchor="ctr"/>
+          <a:lstStyle/>
+          <a:p>
+            <a:pPr algn="ctr"/>
+            <a:endParaRPr lang="en-SG" sz="1400"/>
+          </a:p>
+        </p:txBody>
+      </p:sp>
+      <p:cxnSp>
+        <p:nvCxnSpPr>
+          <p:cNvPr id="73" name="Straight Arrow Connector 72">
+            <a:extLst>
+              <a:ext uri="{FF2B5EF4-FFF2-40B4-BE49-F238E27FC236}">
+                <a16:creationId xmlns:a16="http://schemas.microsoft.com/office/drawing/2014/main" id="{888D43F8-02D0-48AF-8082-25F41B097661}"/>
+              </a:ext>
+            </a:extLst>
+          </p:cNvPr>
+          <p:cNvCxnSpPr>
+            <a:cxnSpLocks/>
+          </p:cNvCxnSpPr>
+          <p:nvPr/>
+        </p:nvCxnSpPr>
+        <p:spPr>
+          <a:xfrm>
+            <a:off x="6492881" y="4263987"/>
+            <a:ext cx="1612812" cy="0"/>
+          </a:xfrm>
+          <a:prstGeom prst="straightConnector1">
+            <a:avLst/>
+          </a:prstGeom>
+          <a:ln w="19050">
+            <a:solidFill>
+              <a:srgbClr val="597B78"/>
+            </a:solidFill>
+            <a:tailEnd type="arrow"/>
+          </a:ln>
+        </p:spPr>
+        <p:style>
+          <a:lnRef idx="1">
+            <a:schemeClr val="accent1"/>
+          </a:lnRef>
+          <a:fillRef idx="0">
+            <a:schemeClr val="accent1"/>
+          </a:fillRef>
+          <a:effectRef idx="0">
+            <a:schemeClr val="accent1"/>
+          </a:effectRef>
+          <a:fontRef idx="minor">
+            <a:schemeClr val="tx1"/>
+          </a:fontRef>
+        </p:style>
+      </p:cxnSp>
+      <p:cxnSp>
+        <p:nvCxnSpPr>
+          <p:cNvPr id="74" name="Straight Arrow Connector 73">
+            <a:extLst>
+              <a:ext uri="{FF2B5EF4-FFF2-40B4-BE49-F238E27FC236}">
+                <a16:creationId xmlns:a16="http://schemas.microsoft.com/office/drawing/2014/main" id="{E846C362-9CFF-48E8-9E48-594C221BFEE7}"/>
+              </a:ext>
+            </a:extLst>
+          </p:cNvPr>
+          <p:cNvCxnSpPr>
+            <a:cxnSpLocks/>
+          </p:cNvCxnSpPr>
+          <p:nvPr/>
+        </p:nvCxnSpPr>
+        <p:spPr>
+          <a:xfrm>
+            <a:off x="6495819" y="4587988"/>
+            <a:ext cx="1599844" cy="0"/>
+          </a:xfrm>
+          <a:prstGeom prst="straightConnector1">
+            <a:avLst/>
+          </a:prstGeom>
+          <a:ln w="19050">
+            <a:solidFill>
+              <a:srgbClr val="597B78"/>
+            </a:solidFill>
+            <a:prstDash val="sysDash"/>
+            <a:headEnd type="arrow" w="med" len="med"/>
+            <a:tailEnd type="none" w="med" len="med"/>
+          </a:ln>
+        </p:spPr>
+        <p:style>
+          <a:lnRef idx="1">
+            <a:schemeClr val="accent1"/>
+          </a:lnRef>
+          <a:fillRef idx="0">
+            <a:schemeClr val="accent1"/>
+          </a:fillRef>
+          <a:effectRef idx="0">
+            <a:schemeClr val="accent1"/>
+          </a:effectRef>
+          <a:fontRef idx="minor">
+            <a:schemeClr val="tx1"/>
+          </a:fontRef>
+        </p:style>
+      </p:cxnSp>
     </p:spTree>
     <p:extLst>
       <p:ext uri="{BB962C8B-B14F-4D97-AF65-F5344CB8AC3E}">
